--- a/사업계획서/Week9/EWon_중간고사대체_질의응답_Review.pptx
+++ b/사업계획서/Week9/EWon_중간고사대체_질의응답_Review.pptx
@@ -5522,6 +5522,220 @@
           </a:p>
         </p:txBody>
       </p:sp>
+      <p:sp>
+        <p:nvSpPr>
+          <p:cNvPr id="25" name="TextBox 24">
+            <a:extLst>
+              <a:ext uri="{FF2B5EF4-FFF2-40B4-BE49-F238E27FC236}">
+                <a16:creationId xmlns:a16="http://schemas.microsoft.com/office/drawing/2014/main" id="{FE247DA0-D12E-4D1D-A9BD-78FC4D422B38}"/>
+              </a:ext>
+            </a:extLst>
+          </p:cNvPr>
+          <p:cNvSpPr txBox="1"/>
+          <p:nvPr/>
+        </p:nvSpPr>
+        <p:spPr>
+          <a:xfrm>
+            <a:off x="2262591" y="4737048"/>
+            <a:ext cx="8033481" cy="2031325"/>
+          </a:xfrm>
+          <a:prstGeom prst="rect">
+            <a:avLst/>
+          </a:prstGeom>
+          <a:noFill/>
+        </p:spPr>
+        <p:txBody>
+          <a:bodyPr wrap="square" rtlCol="0">
+            <a:spAutoFit/>
+          </a:bodyPr>
+          <a:lstStyle/>
+          <a:p>
+            <a:pPr marL="0" marR="0" indent="0" algn="just" fontAlgn="base" latinLnBrk="1">
+              <a:lnSpc>
+                <a:spcPct val="100000"/>
+              </a:lnSpc>
+              <a:spcBef>
+                <a:spcPts val="0"/>
+              </a:spcBef>
+              <a:spcAft>
+                <a:spcPts val="0"/>
+              </a:spcAft>
+            </a:pPr>
+            <a:r>
+              <a:rPr lang="ko-KR" altLang="en-US" sz="1800" kern="100" spc="0" dirty="0">
+                <a:solidFill>
+                  <a:srgbClr val="F1ECE6"/>
+                </a:solidFill>
+                <a:effectLst/>
+                <a:latin typeface="-윤고딕320" panose="02030504000101010101" pitchFamily="18" charset="-127"/>
+                <a:ea typeface="-윤고딕320" panose="02030504000101010101" pitchFamily="18" charset="-127"/>
+              </a:rPr>
+              <a:t>사용자의 위치 서비스 및 개인정보 동의를 여부에 따라 두 가지 방법으로 정보를 제공하고자 합니다</a:t>
+            </a:r>
+            <a:r>
+              <a:rPr lang="en-US" altLang="ko-KR" sz="1800" kern="100" spc="0" dirty="0">
+                <a:solidFill>
+                  <a:srgbClr val="F1ECE6"/>
+                </a:solidFill>
+                <a:effectLst/>
+                <a:latin typeface="-윤고딕320" panose="02030504000101010101" pitchFamily="18" charset="-127"/>
+                <a:ea typeface="-윤고딕320" panose="02030504000101010101" pitchFamily="18" charset="-127"/>
+              </a:rPr>
+              <a:t>.</a:t>
+            </a:r>
+            <a:endParaRPr lang="ko-KR" altLang="en-US" sz="1800" kern="100" spc="0" dirty="0">
+              <a:solidFill>
+                <a:srgbClr val="F1ECE6"/>
+              </a:solidFill>
+              <a:effectLst/>
+              <a:latin typeface="맑은 고딕" panose="020B0503020000020004" pitchFamily="50" charset="-127"/>
+            </a:endParaRPr>
+          </a:p>
+          <a:p>
+            <a:pPr marL="0" marR="0" indent="0" algn="just" fontAlgn="base" latinLnBrk="1">
+              <a:lnSpc>
+                <a:spcPct val="100000"/>
+              </a:lnSpc>
+              <a:spcBef>
+                <a:spcPts val="0"/>
+              </a:spcBef>
+              <a:spcAft>
+                <a:spcPts val="0"/>
+              </a:spcAft>
+            </a:pPr>
+            <a:r>
+              <a:rPr lang="ko-KR" altLang="en-US" sz="1800" kern="100" spc="0" dirty="0">
+                <a:solidFill>
+                  <a:srgbClr val="F1ECE6"/>
+                </a:solidFill>
+                <a:effectLst/>
+                <a:latin typeface="-윤고딕320" panose="02030504000101010101" pitchFamily="18" charset="-127"/>
+                <a:ea typeface="-윤고딕320" panose="02030504000101010101" pitchFamily="18" charset="-127"/>
+              </a:rPr>
+              <a:t>첫 번째로는 결제 내역을 통한 사용자의 위치 동선을 파악해 주변 매장을 알려주는 방식이 있습니다</a:t>
+            </a:r>
+            <a:r>
+              <a:rPr lang="en-US" altLang="ko-KR" sz="1800" kern="100" spc="0" dirty="0">
+                <a:solidFill>
+                  <a:srgbClr val="F1ECE6"/>
+                </a:solidFill>
+                <a:effectLst/>
+                <a:latin typeface="-윤고딕320" panose="02030504000101010101" pitchFamily="18" charset="-127"/>
+                <a:ea typeface="-윤고딕320" panose="02030504000101010101" pitchFamily="18" charset="-127"/>
+              </a:rPr>
+              <a:t>. </a:t>
+            </a:r>
+          </a:p>
+          <a:p>
+            <a:pPr marL="0" marR="0" indent="0" algn="just" fontAlgn="base" latinLnBrk="1">
+              <a:lnSpc>
+                <a:spcPct val="100000"/>
+              </a:lnSpc>
+              <a:spcBef>
+                <a:spcPts val="0"/>
+              </a:spcBef>
+              <a:spcAft>
+                <a:spcPts val="0"/>
+              </a:spcAft>
+            </a:pPr>
+            <a:r>
+              <a:rPr lang="ko-KR" altLang="en-US" sz="1800" kern="100" spc="0" dirty="0">
+                <a:solidFill>
+                  <a:srgbClr val="F1ECE6"/>
+                </a:solidFill>
+                <a:effectLst/>
+                <a:latin typeface="-윤고딕320" panose="02030504000101010101" pitchFamily="18" charset="-127"/>
+                <a:ea typeface="-윤고딕320" panose="02030504000101010101" pitchFamily="18" charset="-127"/>
+              </a:rPr>
+              <a:t>두 번재로는 </a:t>
+            </a:r>
+            <a:r>
+              <a:rPr lang="en-US" altLang="ko-KR" sz="1800" kern="100" spc="0" dirty="0">
+                <a:solidFill>
+                  <a:srgbClr val="F1ECE6"/>
+                </a:solidFill>
+                <a:effectLst/>
+                <a:latin typeface="-윤고딕320" panose="02030504000101010101" pitchFamily="18" charset="-127"/>
+                <a:ea typeface="-윤고딕320" panose="02030504000101010101" pitchFamily="18" charset="-127"/>
+              </a:rPr>
+              <a:t>GPS</a:t>
+            </a:r>
+            <a:r>
+              <a:rPr lang="ko-KR" altLang="en-US" sz="1800" kern="100" spc="0" dirty="0">
+                <a:solidFill>
+                  <a:srgbClr val="F1ECE6"/>
+                </a:solidFill>
+                <a:effectLst/>
+                <a:latin typeface="-윤고딕320" panose="02030504000101010101" pitchFamily="18" charset="-127"/>
+                <a:ea typeface="-윤고딕320" panose="02030504000101010101" pitchFamily="18" charset="-127"/>
+              </a:rPr>
+              <a:t>기반으로 사용자의 위치를 받아와 주변 매장을 알려주는 방식을 사용합니다</a:t>
+            </a:r>
+            <a:r>
+              <a:rPr lang="en-US" altLang="ko-KR" sz="1800" kern="100" spc="0" dirty="0">
+                <a:solidFill>
+                  <a:srgbClr val="F1ECE6"/>
+                </a:solidFill>
+                <a:effectLst/>
+                <a:latin typeface="-윤고딕320" panose="02030504000101010101" pitchFamily="18" charset="-127"/>
+                <a:ea typeface="-윤고딕320" panose="02030504000101010101" pitchFamily="18" charset="-127"/>
+              </a:rPr>
+              <a:t>. </a:t>
+            </a:r>
+            <a:r>
+              <a:rPr lang="ko-KR" altLang="en-US" sz="1800" kern="100" spc="0" dirty="0">
+                <a:solidFill>
+                  <a:srgbClr val="F1ECE6"/>
+                </a:solidFill>
+                <a:effectLst/>
+                <a:latin typeface="-윤고딕320" panose="02030504000101010101" pitchFamily="18" charset="-127"/>
+                <a:ea typeface="-윤고딕320" panose="02030504000101010101" pitchFamily="18" charset="-127"/>
+              </a:rPr>
+              <a:t>다만 </a:t>
+            </a:r>
+            <a:r>
+              <a:rPr lang="en-US" altLang="ko-KR" sz="1800" kern="100" spc="0" dirty="0">
+                <a:solidFill>
+                  <a:srgbClr val="F1ECE6"/>
+                </a:solidFill>
+                <a:effectLst/>
+                <a:latin typeface="-윤고딕320" panose="02030504000101010101" pitchFamily="18" charset="-127"/>
+                <a:ea typeface="-윤고딕320" panose="02030504000101010101" pitchFamily="18" charset="-127"/>
+              </a:rPr>
+              <a:t>GPS </a:t>
+            </a:r>
+            <a:r>
+              <a:rPr lang="ko-KR" altLang="en-US" sz="1800" kern="100" spc="0" dirty="0">
+                <a:solidFill>
+                  <a:srgbClr val="F1ECE6"/>
+                </a:solidFill>
+                <a:effectLst/>
+                <a:latin typeface="-윤고딕320" panose="02030504000101010101" pitchFamily="18" charset="-127"/>
+                <a:ea typeface="-윤고딕320" panose="02030504000101010101" pitchFamily="18" charset="-127"/>
+              </a:rPr>
+              <a:t>기반 추천 서비스는 사용시 꺼리는 사용자가 있을 수 있어 사전의 동의 여부에 따라 서비스의 제공 여부를 구분할 예정입니다</a:t>
+            </a:r>
+            <a:r>
+              <a:rPr lang="en-US" altLang="ko-KR" sz="1800" kern="100" spc="0" dirty="0">
+                <a:solidFill>
+                  <a:srgbClr val="F1ECE6"/>
+                </a:solidFill>
+                <a:effectLst/>
+                <a:latin typeface="-윤고딕320" panose="02030504000101010101" pitchFamily="18" charset="-127"/>
+                <a:ea typeface="-윤고딕320" panose="02030504000101010101" pitchFamily="18" charset="-127"/>
+              </a:rPr>
+              <a:t>. </a:t>
+            </a:r>
+            <a:endParaRPr lang="ko-KR" altLang="en-US" sz="1800" kern="100" spc="0" dirty="0">
+              <a:solidFill>
+                <a:srgbClr val="F1ECE6"/>
+              </a:solidFill>
+              <a:effectLst/>
+              <a:latin typeface="맑은 고딕" panose="020B0503020000020004" pitchFamily="50" charset="-127"/>
+            </a:endParaRPr>
+          </a:p>
+        </p:txBody>
+      </p:sp>
     </p:spTree>
     <p:extLst>
       <p:ext uri="{BB962C8B-B14F-4D97-AF65-F5344CB8AC3E}">
@@ -6498,7 +6712,7 @@
         <p:spPr>
           <a:xfrm>
             <a:off x="2262591" y="2390554"/>
-            <a:ext cx="8033481" cy="923330"/>
+            <a:ext cx="8033481" cy="1477328"/>
           </a:xfrm>
           <a:prstGeom prst="rect">
             <a:avLst/>
@@ -6512,160 +6726,212 @@
           <a:lstStyle/>
           <a:p>
             <a:r>
-              <a:rPr lang="en-US" altLang="ko-KR" dirty="0" err="1">
-                <a:solidFill>
-                  <a:srgbClr val="F1ECE6"/>
-                </a:solidFill>
-                <a:latin typeface="-윤고딕310"/>
-              </a:rPr>
-              <a:t>Kakao</a:t>
-            </a:r>
-            <a:r>
-              <a:rPr lang="en-US" altLang="ko-KR" dirty="0">
-                <a:solidFill>
-                  <a:srgbClr val="F1ECE6"/>
-                </a:solidFill>
-                <a:latin typeface="-윤고딕310"/>
-              </a:rPr>
-              <a:t> Developers </a:t>
-            </a:r>
-            <a:r>
-              <a:rPr lang="ko-KR" altLang="en-US" dirty="0">
-                <a:solidFill>
-                  <a:srgbClr val="F1ECE6"/>
-                </a:solidFill>
-                <a:latin typeface="-윤고딕310"/>
-              </a:rPr>
-              <a:t>에서 제공하는 카카오톡 채널 </a:t>
-            </a:r>
-            <a:r>
-              <a:rPr lang="en-US" altLang="ko-KR" dirty="0">
-                <a:solidFill>
-                  <a:srgbClr val="F1ECE6"/>
-                </a:solidFill>
-                <a:latin typeface="-윤고딕310"/>
-              </a:rPr>
-              <a:t>API</a:t>
-            </a:r>
-            <a:r>
-              <a:rPr lang="ko-KR" altLang="en-US" dirty="0">
-                <a:solidFill>
-                  <a:srgbClr val="F1ECE6"/>
-                </a:solidFill>
-                <a:latin typeface="-윤고딕310"/>
-              </a:rPr>
-              <a:t>를 이용할 예정입니다</a:t>
-            </a:r>
-            <a:r>
-              <a:rPr lang="en-US" altLang="ko-KR" dirty="0">
-                <a:solidFill>
-                  <a:srgbClr val="F1ECE6"/>
-                </a:solidFill>
-                <a:latin typeface="-윤고딕310"/>
+              <a:rPr lang="ko-KR" altLang="en-US" sz="1800" kern="100" spc="0" dirty="0">
+                <a:solidFill>
+                  <a:srgbClr val="F1ECE6"/>
+                </a:solidFill>
+                <a:effectLst/>
+                <a:latin typeface="-윤고딕320" panose="02030504000101010101" pitchFamily="18" charset="-127"/>
+                <a:ea typeface="-윤고딕320" panose="02030504000101010101" pitchFamily="18" charset="-127"/>
+              </a:rPr>
+              <a:t>초기 </a:t>
+            </a:r>
+            <a:r>
+              <a:rPr lang="en-US" altLang="ko-KR" sz="1800" kern="100" spc="0" dirty="0">
+                <a:solidFill>
+                  <a:srgbClr val="F1ECE6"/>
+                </a:solidFill>
+                <a:effectLst/>
+                <a:latin typeface="-윤고딕320" panose="02030504000101010101" pitchFamily="18" charset="-127"/>
+                <a:ea typeface="-윤고딕320" panose="02030504000101010101" pitchFamily="18" charset="-127"/>
+              </a:rPr>
+              <a:t>AI</a:t>
+            </a:r>
+            <a:r>
+              <a:rPr lang="ko-KR" altLang="en-US" sz="1800" kern="100" spc="0" dirty="0">
+                <a:solidFill>
+                  <a:srgbClr val="F1ECE6"/>
+                </a:solidFill>
+                <a:effectLst/>
+                <a:latin typeface="-윤고딕320" panose="02030504000101010101" pitchFamily="18" charset="-127"/>
+                <a:ea typeface="-윤고딕320" panose="02030504000101010101" pitchFamily="18" charset="-127"/>
+              </a:rPr>
+              <a:t>데이터라고 명시하신 부분이 </a:t>
+            </a:r>
+            <a:r>
+              <a:rPr lang="ko-KR" altLang="en-US" sz="1800" b="1" kern="100" spc="0" dirty="0">
+                <a:solidFill>
+                  <a:srgbClr val="F1ECE6"/>
+                </a:solidFill>
+                <a:effectLst/>
+                <a:latin typeface="-윤고딕320" panose="02030504000101010101" pitchFamily="18" charset="-127"/>
+                <a:ea typeface="-윤고딕320" panose="02030504000101010101" pitchFamily="18" charset="-127"/>
+              </a:rPr>
+              <a:t>학습을 위한 데이터인지</a:t>
+            </a:r>
+            <a:r>
+              <a:rPr lang="en-US" altLang="ko-KR" sz="1800" kern="100" spc="0" dirty="0">
+                <a:solidFill>
+                  <a:srgbClr val="F1ECE6"/>
+                </a:solidFill>
+                <a:effectLst/>
+                <a:latin typeface="-윤고딕320" panose="02030504000101010101" pitchFamily="18" charset="-127"/>
+                <a:ea typeface="-윤고딕320" panose="02030504000101010101" pitchFamily="18" charset="-127"/>
+              </a:rPr>
+              <a:t>, </a:t>
+            </a:r>
+            <a:r>
+              <a:rPr lang="ko-KR" altLang="en-US" sz="1800" b="1" kern="100" spc="0" dirty="0">
+                <a:solidFill>
+                  <a:srgbClr val="F1ECE6"/>
+                </a:solidFill>
+                <a:effectLst/>
+                <a:latin typeface="-윤고딕320" panose="02030504000101010101" pitchFamily="18" charset="-127"/>
+                <a:ea typeface="-윤고딕320" panose="02030504000101010101" pitchFamily="18" charset="-127"/>
+              </a:rPr>
+              <a:t>추천 알고리즘을 위한 데이터인지</a:t>
+            </a:r>
+            <a:r>
+              <a:rPr lang="ko-KR" altLang="en-US" sz="1800" kern="100" spc="0" dirty="0">
+                <a:solidFill>
+                  <a:srgbClr val="F1ECE6"/>
+                </a:solidFill>
+                <a:effectLst/>
+                <a:latin typeface="맑은 고딕" panose="020B0503020000020004" pitchFamily="50" charset="-127"/>
+                <a:ea typeface="-윤고딕320" panose="02030504000101010101" pitchFamily="18" charset="-127"/>
+              </a:rPr>
+              <a:t> </a:t>
+            </a:r>
+            <a:r>
+              <a:rPr lang="ko-KR" altLang="en-US" sz="1800" kern="100" spc="0" dirty="0">
+                <a:solidFill>
+                  <a:srgbClr val="F1ECE6"/>
+                </a:solidFill>
+                <a:effectLst/>
+                <a:latin typeface="-윤고딕320" panose="02030504000101010101" pitchFamily="18" charset="-127"/>
+                <a:ea typeface="-윤고딕320" panose="02030504000101010101" pitchFamily="18" charset="-127"/>
+              </a:rPr>
+              <a:t>질문 상 파악이 어렵습니다</a:t>
+            </a:r>
+            <a:r>
+              <a:rPr lang="en-US" altLang="ko-KR" sz="1800" kern="100" spc="0" dirty="0">
+                <a:solidFill>
+                  <a:srgbClr val="F1ECE6"/>
+                </a:solidFill>
+                <a:effectLst/>
+                <a:latin typeface="-윤고딕320" panose="02030504000101010101" pitchFamily="18" charset="-127"/>
+                <a:ea typeface="-윤고딕320" panose="02030504000101010101" pitchFamily="18" charset="-127"/>
               </a:rPr>
               <a:t>. </a:t>
             </a:r>
-          </a:p>
-          <a:p>
-            <a:r>
-              <a:rPr lang="ko-KR" altLang="en-US" dirty="0">
-                <a:solidFill>
-                  <a:srgbClr val="F1ECE6"/>
-                </a:solidFill>
-                <a:latin typeface="-윤고딕310"/>
-              </a:rPr>
-              <a:t>기본적인 입출력은 제공되지만 나머지 기능은 </a:t>
-            </a:r>
-            <a:r>
-              <a:rPr lang="en-US" altLang="ko-KR" dirty="0" err="1">
-                <a:solidFill>
-                  <a:srgbClr val="F1ECE6"/>
-                </a:solidFill>
-                <a:latin typeface="-윤고딕310"/>
-              </a:rPr>
-              <a:t>Javascripts</a:t>
-            </a:r>
-            <a:r>
-              <a:rPr lang="ko-KR" altLang="en-US" dirty="0">
-                <a:solidFill>
-                  <a:srgbClr val="F1ECE6"/>
-                </a:solidFill>
-                <a:latin typeface="-윤고딕310"/>
-              </a:rPr>
-              <a:t>을 이용하여 </a:t>
-            </a:r>
-            <a:r>
-              <a:rPr lang="en-US" altLang="ko-KR" dirty="0">
-                <a:solidFill>
-                  <a:srgbClr val="F1ECE6"/>
-                </a:solidFill>
-                <a:latin typeface="-윤고딕310"/>
-              </a:rPr>
-              <a:t>Azure </a:t>
-            </a:r>
-            <a:r>
-              <a:rPr lang="ko-KR" altLang="en-US" dirty="0">
-                <a:solidFill>
-                  <a:srgbClr val="F1ECE6"/>
-                </a:solidFill>
-                <a:latin typeface="-윤고딕310"/>
-              </a:rPr>
-              <a:t>서버</a:t>
-            </a:r>
-            <a:r>
-              <a:rPr lang="en-US" altLang="ko-KR" dirty="0">
-                <a:solidFill>
-                  <a:srgbClr val="F1ECE6"/>
-                </a:solidFill>
-                <a:latin typeface="-윤고딕310"/>
-              </a:rPr>
-              <a:t>, </a:t>
-            </a:r>
-            <a:r>
-              <a:rPr lang="en-US" altLang="ko-KR" dirty="0" err="1">
-                <a:solidFill>
-                  <a:srgbClr val="F1ECE6"/>
-                </a:solidFill>
-                <a:latin typeface="-윤고딕310"/>
-              </a:rPr>
-              <a:t>Ewon</a:t>
-            </a:r>
-            <a:r>
-              <a:rPr lang="ko-KR" altLang="en-US" dirty="0">
-                <a:solidFill>
-                  <a:srgbClr val="F1ECE6"/>
-                </a:solidFill>
-                <a:latin typeface="-윤고딕310"/>
-              </a:rPr>
-              <a:t> </a:t>
-            </a:r>
-            <a:r>
-              <a:rPr lang="en-US" altLang="ko-KR" dirty="0">
-                <a:solidFill>
-                  <a:srgbClr val="F1ECE6"/>
-                </a:solidFill>
-                <a:latin typeface="-윤고딕310"/>
-              </a:rPr>
-              <a:t>App</a:t>
-            </a:r>
-            <a:r>
-              <a:rPr lang="ko-KR" altLang="en-US" dirty="0">
-                <a:solidFill>
-                  <a:srgbClr val="F1ECE6"/>
-                </a:solidFill>
-                <a:latin typeface="-윤고딕310"/>
-              </a:rPr>
-              <a:t>에 연동할 수 있도록 할 예정입니다</a:t>
-            </a:r>
-            <a:r>
-              <a:rPr lang="en-US" altLang="ko-KR" dirty="0">
-                <a:solidFill>
-                  <a:srgbClr val="F1ECE6"/>
-                </a:solidFill>
-                <a:latin typeface="-윤고딕310"/>
+            <a:r>
+              <a:rPr lang="ko-KR" altLang="en-US" sz="1800" kern="100" spc="0" dirty="0">
+                <a:solidFill>
+                  <a:srgbClr val="F1ECE6"/>
+                </a:solidFill>
+                <a:effectLst/>
+                <a:latin typeface="-윤고딕320" panose="02030504000101010101" pitchFamily="18" charset="-127"/>
+                <a:ea typeface="-윤고딕320" panose="02030504000101010101" pitchFamily="18" charset="-127"/>
+              </a:rPr>
+              <a:t>다만 </a:t>
+            </a:r>
+            <a:r>
+              <a:rPr lang="ko-KR" altLang="en-US" sz="1800" kern="100" spc="0" dirty="0" err="1">
+                <a:solidFill>
+                  <a:srgbClr val="F1ECE6"/>
+                </a:solidFill>
+                <a:effectLst/>
+                <a:latin typeface="-윤고딕320" panose="02030504000101010101" pitchFamily="18" charset="-127"/>
+                <a:ea typeface="-윤고딕320" panose="02030504000101010101" pitchFamily="18" charset="-127"/>
+              </a:rPr>
+              <a:t>챗봇을</a:t>
+            </a:r>
+            <a:r>
+              <a:rPr lang="ko-KR" altLang="en-US" sz="1800" kern="100" spc="0" dirty="0">
+                <a:solidFill>
+                  <a:srgbClr val="F1ECE6"/>
+                </a:solidFill>
+                <a:effectLst/>
+                <a:latin typeface="-윤고딕320" panose="02030504000101010101" pitchFamily="18" charset="-127"/>
+                <a:ea typeface="-윤고딕320" panose="02030504000101010101" pitchFamily="18" charset="-127"/>
+              </a:rPr>
+              <a:t> 통해 혜택을 추천하는 부분은 </a:t>
+            </a:r>
+            <a:r>
+              <a:rPr lang="en-US" altLang="ko-KR" sz="1800" kern="100" spc="0" dirty="0">
+                <a:solidFill>
+                  <a:srgbClr val="F1ECE6"/>
+                </a:solidFill>
+                <a:effectLst/>
+                <a:latin typeface="-윤고딕320" panose="02030504000101010101" pitchFamily="18" charset="-127"/>
+                <a:ea typeface="-윤고딕320" panose="02030504000101010101" pitchFamily="18" charset="-127"/>
+              </a:rPr>
+              <a:t>AI</a:t>
+            </a:r>
+            <a:r>
+              <a:rPr lang="ko-KR" altLang="en-US" sz="1800" kern="100" spc="0" dirty="0">
+                <a:solidFill>
+                  <a:srgbClr val="F1ECE6"/>
+                </a:solidFill>
+                <a:effectLst/>
+                <a:latin typeface="-윤고딕320" panose="02030504000101010101" pitchFamily="18" charset="-127"/>
+                <a:ea typeface="-윤고딕320" panose="02030504000101010101" pitchFamily="18" charset="-127"/>
+              </a:rPr>
+              <a:t>가 아닌 알고리즘을 통해 추천이 제시되고 </a:t>
+            </a:r>
+            <a:r>
+              <a:rPr lang="en-US" altLang="ko-KR" sz="1800" kern="100" spc="0" dirty="0">
+                <a:solidFill>
+                  <a:srgbClr val="F1ECE6"/>
+                </a:solidFill>
+                <a:effectLst/>
+                <a:latin typeface="-윤고딕320" panose="02030504000101010101" pitchFamily="18" charset="-127"/>
+                <a:ea typeface="-윤고딕320" panose="02030504000101010101" pitchFamily="18" charset="-127"/>
+              </a:rPr>
+              <a:t>AI </a:t>
+            </a:r>
+            <a:r>
+              <a:rPr lang="ko-KR" altLang="en-US" sz="1800" kern="100" spc="0" dirty="0" err="1">
+                <a:solidFill>
+                  <a:srgbClr val="F1ECE6"/>
+                </a:solidFill>
+                <a:effectLst/>
+                <a:latin typeface="-윤고딕320" panose="02030504000101010101" pitchFamily="18" charset="-127"/>
+                <a:ea typeface="-윤고딕320" panose="02030504000101010101" pitchFamily="18" charset="-127"/>
+              </a:rPr>
+              <a:t>챗봇은</a:t>
+            </a:r>
+            <a:r>
+              <a:rPr lang="ko-KR" altLang="en-US" sz="1800" kern="100" spc="0" dirty="0">
+                <a:solidFill>
+                  <a:srgbClr val="F1ECE6"/>
+                </a:solidFill>
+                <a:effectLst/>
+                <a:latin typeface="-윤고딕320" panose="02030504000101010101" pitchFamily="18" charset="-127"/>
+                <a:ea typeface="-윤고딕320" panose="02030504000101010101" pitchFamily="18" charset="-127"/>
+              </a:rPr>
+              <a:t> 사용자와 대화를 하는 상담자 역할이라고 생각하시면 될 것 같습니다</a:t>
+            </a:r>
+            <a:r>
+              <a:rPr lang="en-US" altLang="ko-KR" sz="1800" kern="100" spc="0" dirty="0">
+                <a:solidFill>
+                  <a:srgbClr val="F1ECE6"/>
+                </a:solidFill>
+                <a:effectLst/>
+                <a:latin typeface="-윤고딕320" panose="02030504000101010101" pitchFamily="18" charset="-127"/>
+                <a:ea typeface="-윤고딕320" panose="02030504000101010101" pitchFamily="18" charset="-127"/>
               </a:rPr>
               <a:t>.</a:t>
             </a:r>
+            <a:endParaRPr lang="ko-KR" altLang="en-US" sz="1800" kern="100" spc="0" dirty="0">
+              <a:solidFill>
+                <a:srgbClr val="F1ECE6"/>
+              </a:solidFill>
+              <a:effectLst/>
+              <a:latin typeface="맑은 고딕" panose="020B0503020000020004" pitchFamily="50" charset="-127"/>
+            </a:endParaRPr>
+          </a:p>
+          <a:p>
             <a:endParaRPr lang="ko-KR" altLang="en-US" dirty="0">
               <a:solidFill>
                 <a:srgbClr val="F1ECE6"/>
@@ -6802,6 +7068,165 @@
               </a:rPr>
               <a:t>. </a:t>
             </a:r>
+          </a:p>
+        </p:txBody>
+      </p:sp>
+      <p:sp>
+        <p:nvSpPr>
+          <p:cNvPr id="24" name="TextBox 23">
+            <a:extLst>
+              <a:ext uri="{FF2B5EF4-FFF2-40B4-BE49-F238E27FC236}">
+                <a16:creationId xmlns:a16="http://schemas.microsoft.com/office/drawing/2014/main" id="{9905F658-1BCB-4760-844E-088C2AC017AC}"/>
+              </a:ext>
+            </a:extLst>
+          </p:cNvPr>
+          <p:cNvSpPr txBox="1"/>
+          <p:nvPr/>
+        </p:nvSpPr>
+        <p:spPr>
+          <a:xfrm>
+            <a:off x="2262591" y="4693495"/>
+            <a:ext cx="8033481" cy="1200329"/>
+          </a:xfrm>
+          <a:prstGeom prst="rect">
+            <a:avLst/>
+          </a:prstGeom>
+          <a:noFill/>
+        </p:spPr>
+        <p:txBody>
+          <a:bodyPr wrap="square" rtlCol="0">
+            <a:spAutoFit/>
+          </a:bodyPr>
+          <a:lstStyle/>
+          <a:p>
+            <a:pPr marL="0" marR="0" indent="0" algn="just" fontAlgn="base" latinLnBrk="1">
+              <a:lnSpc>
+                <a:spcPct val="100000"/>
+              </a:lnSpc>
+              <a:spcBef>
+                <a:spcPts val="0"/>
+              </a:spcBef>
+              <a:spcAft>
+                <a:spcPts val="0"/>
+              </a:spcAft>
+            </a:pPr>
+            <a:r>
+              <a:rPr lang="ko-KR" altLang="en-US" sz="1800" kern="100" spc="0" dirty="0">
+                <a:solidFill>
+                  <a:srgbClr val="F1ECE6"/>
+                </a:solidFill>
+                <a:effectLst/>
+                <a:latin typeface="-윤고딕320" panose="02030504000101010101" pitchFamily="18" charset="-127"/>
+                <a:ea typeface="-윤고딕320" panose="02030504000101010101" pitchFamily="18" charset="-127"/>
+              </a:rPr>
+              <a:t>우선 가장 큰 원인은 홍보의 </a:t>
+            </a:r>
+            <a:r>
+              <a:rPr lang="ko-KR" altLang="en-US" sz="1800" kern="100" spc="0" dirty="0" err="1">
+                <a:solidFill>
+                  <a:srgbClr val="F1ECE6"/>
+                </a:solidFill>
+                <a:effectLst/>
+                <a:latin typeface="-윤고딕320" panose="02030504000101010101" pitchFamily="18" charset="-127"/>
+                <a:ea typeface="-윤고딕320" panose="02030504000101010101" pitchFamily="18" charset="-127"/>
+              </a:rPr>
+              <a:t>부족이였다고</a:t>
+            </a:r>
+            <a:r>
+              <a:rPr lang="ko-KR" altLang="en-US" sz="1800" kern="100" spc="0" dirty="0">
+                <a:solidFill>
+                  <a:srgbClr val="F1ECE6"/>
+                </a:solidFill>
+                <a:effectLst/>
+                <a:latin typeface="-윤고딕320" panose="02030504000101010101" pitchFamily="18" charset="-127"/>
+                <a:ea typeface="-윤고딕320" panose="02030504000101010101" pitchFamily="18" charset="-127"/>
+              </a:rPr>
+              <a:t> 저희 팀은 생각합니다</a:t>
+            </a:r>
+            <a:r>
+              <a:rPr lang="en-US" altLang="ko-KR" sz="1800" kern="100" spc="0" dirty="0">
+                <a:solidFill>
+                  <a:srgbClr val="F1ECE6"/>
+                </a:solidFill>
+                <a:effectLst/>
+                <a:latin typeface="-윤고딕320" panose="02030504000101010101" pitchFamily="18" charset="-127"/>
+                <a:ea typeface="-윤고딕320" panose="02030504000101010101" pitchFamily="18" charset="-127"/>
+              </a:rPr>
+              <a:t>. </a:t>
+            </a:r>
+            <a:r>
+              <a:rPr lang="ko-KR" altLang="en-US" sz="1800" kern="100" spc="0" dirty="0">
+                <a:solidFill>
+                  <a:srgbClr val="F1ECE6"/>
+                </a:solidFill>
+                <a:effectLst/>
+                <a:latin typeface="-윤고딕320" panose="02030504000101010101" pitchFamily="18" charset="-127"/>
+                <a:ea typeface="-윤고딕320" panose="02030504000101010101" pitchFamily="18" charset="-127"/>
+              </a:rPr>
+              <a:t>저희 팀에서 설문조사를 통해 조사한 바로는 전체의 </a:t>
+            </a:r>
+            <a:r>
+              <a:rPr lang="en-US" altLang="ko-KR" sz="1800" kern="100" spc="0" dirty="0">
+                <a:solidFill>
+                  <a:srgbClr val="F1ECE6"/>
+                </a:solidFill>
+                <a:effectLst/>
+                <a:latin typeface="-윤고딕320" panose="02030504000101010101" pitchFamily="18" charset="-127"/>
+                <a:ea typeface="-윤고딕320" panose="02030504000101010101" pitchFamily="18" charset="-127"/>
+              </a:rPr>
+              <a:t>80.2%</a:t>
+            </a:r>
+            <a:r>
+              <a:rPr lang="ko-KR" altLang="en-US" sz="1800" kern="100" spc="0" dirty="0">
+                <a:solidFill>
+                  <a:srgbClr val="F1ECE6"/>
+                </a:solidFill>
+                <a:effectLst/>
+                <a:latin typeface="-윤고딕320" panose="02030504000101010101" pitchFamily="18" charset="-127"/>
+                <a:ea typeface="-윤고딕320" panose="02030504000101010101" pitchFamily="18" charset="-127"/>
+              </a:rPr>
+              <a:t>의 사람들이 이러한 서비스를 제공하는 앱의 존재를 모르고 있었습니다</a:t>
+            </a:r>
+            <a:r>
+              <a:rPr lang="en-US" altLang="ko-KR" sz="1800" kern="100" spc="0" dirty="0">
+                <a:solidFill>
+                  <a:srgbClr val="F1ECE6"/>
+                </a:solidFill>
+                <a:effectLst/>
+                <a:latin typeface="-윤고딕320" panose="02030504000101010101" pitchFamily="18" charset="-127"/>
+                <a:ea typeface="-윤고딕320" panose="02030504000101010101" pitchFamily="18" charset="-127"/>
+              </a:rPr>
+              <a:t>. </a:t>
+            </a:r>
+            <a:r>
+              <a:rPr lang="ko-KR" altLang="en-US" sz="1800" kern="100" spc="0" dirty="0">
+                <a:solidFill>
+                  <a:srgbClr val="F1ECE6"/>
+                </a:solidFill>
+                <a:effectLst/>
+                <a:latin typeface="-윤고딕320" panose="02030504000101010101" pitchFamily="18" charset="-127"/>
+                <a:ea typeface="-윤고딕320" panose="02030504000101010101" pitchFamily="18" charset="-127"/>
+              </a:rPr>
+              <a:t>따라서 결국 중요한 부분은 마케팅이라고 생각하여 홍보 방안에 대해서 팀에서 논의할 예정입니다</a:t>
+            </a:r>
+            <a:r>
+              <a:rPr lang="en-US" altLang="ko-KR" sz="1800" kern="100" spc="0" dirty="0">
+                <a:solidFill>
+                  <a:srgbClr val="F1ECE6"/>
+                </a:solidFill>
+                <a:effectLst/>
+                <a:latin typeface="-윤고딕320" panose="02030504000101010101" pitchFamily="18" charset="-127"/>
+                <a:ea typeface="-윤고딕320" panose="02030504000101010101" pitchFamily="18" charset="-127"/>
+              </a:rPr>
+              <a:t>.</a:t>
+            </a:r>
+            <a:endParaRPr lang="ko-KR" altLang="en-US" sz="1800" kern="100" spc="0" dirty="0">
+              <a:solidFill>
+                <a:srgbClr val="F1ECE6"/>
+              </a:solidFill>
+              <a:effectLst/>
+              <a:latin typeface="맑은 고딕" panose="020B0503020000020004" pitchFamily="50" charset="-127"/>
+            </a:endParaRPr>
           </a:p>
         </p:txBody>
       </p:sp>
@@ -7910,25 +8335,7 @@
                 </a:solidFill>
                 <a:latin typeface="-윤고딕310"/>
               </a:rPr>
-              <a:t>다만 결제가 불가능한 카드를 계속 제시해주는 것은 비효율적이기 때문에 제시 </a:t>
-            </a:r>
-            <a:r>
-              <a:rPr lang="ko-KR" altLang="en-US" dirty="0" err="1">
-                <a:solidFill>
-                  <a:srgbClr val="F1ECE6"/>
-                </a:solidFill>
-                <a:latin typeface="-윤고딕310"/>
-              </a:rPr>
-              <a:t>기준은재설정하도록</a:t>
-            </a:r>
-            <a:r>
-              <a:rPr lang="ko-KR" altLang="en-US" dirty="0">
-                <a:solidFill>
-                  <a:srgbClr val="F1ECE6"/>
-                </a:solidFill>
-                <a:latin typeface="-윤고딕310"/>
-              </a:rPr>
-              <a:t> 하겠습니다</a:t>
+              <a:t>다만 결제가 불가능한 카드를 계속 제시해주는 것은 비효율적이기 때문에 해당 부분의 기준은 재설정하도록 하겠습니다</a:t>
             </a:r>
             <a:r>
               <a:rPr lang="en-US" altLang="ko-KR" dirty="0">
@@ -8073,7 +8480,7 @@
                 </a:solidFill>
                 <a:latin typeface="-윤고딕310"/>
               </a:rPr>
-              <a:t>이를 잘 운영하기 위해서 장바구니 시스템에서의 항목 및 키워드</a:t>
+              <a:t>이를 잘 운영하기 위해서 장바구니 시스템에서의 항목 및 키워드가 구체적일 필요가 있을 것 같습니다</a:t>
             </a:r>
             <a:r>
               <a:rPr lang="en-US" altLang="ko-KR" dirty="0">
@@ -8082,7 +8489,7 @@
                 </a:solidFill>
                 <a:latin typeface="-윤고딕310"/>
               </a:rPr>
-              <a:t>~~~</a:t>
+              <a:t>.</a:t>
             </a:r>
           </a:p>
         </p:txBody>
@@ -8559,7 +8966,7 @@
         </p:nvSpPr>
         <p:spPr>
           <a:xfrm>
-            <a:off x="1590675" y="1597528"/>
+            <a:off x="1590675" y="1391338"/>
             <a:ext cx="505218" cy="505218"/>
           </a:xfrm>
           <a:prstGeom prst="ellipse">
@@ -8618,7 +9025,7 @@
         </p:nvSpPr>
         <p:spPr>
           <a:xfrm>
-            <a:off x="1423977" y="1665471"/>
+            <a:off x="1423977" y="1459281"/>
             <a:ext cx="819455" cy="369332"/>
           </a:xfrm>
           <a:prstGeom prst="rect">
@@ -8688,7 +9095,7 @@
         </p:nvSpPr>
         <p:spPr>
           <a:xfrm>
-            <a:off x="1590675" y="3293647"/>
+            <a:off x="1590675" y="3087457"/>
             <a:ext cx="505218" cy="505218"/>
           </a:xfrm>
           <a:prstGeom prst="ellipse">
@@ -8747,7 +9154,7 @@
         </p:nvSpPr>
         <p:spPr>
           <a:xfrm>
-            <a:off x="1423977" y="3338507"/>
+            <a:off x="1423977" y="3132317"/>
             <a:ext cx="819455" cy="369332"/>
           </a:xfrm>
           <a:prstGeom prst="rect">
@@ -8817,7 +9224,7 @@
         </p:nvSpPr>
         <p:spPr>
           <a:xfrm>
-            <a:off x="2262591" y="1493531"/>
+            <a:off x="2262591" y="1287341"/>
             <a:ext cx="8033481" cy="1477328"/>
           </a:xfrm>
           <a:prstGeom prst="rect">
@@ -9025,8 +9432,8 @@
         </p:nvSpPr>
         <p:spPr>
           <a:xfrm>
-            <a:off x="2262591" y="3060252"/>
-            <a:ext cx="8033481" cy="3539430"/>
+            <a:off x="2262591" y="2854062"/>
+            <a:ext cx="8033481" cy="3785652"/>
           </a:xfrm>
           <a:prstGeom prst="rect">
             <a:avLst/>
@@ -9321,7 +9728,7 @@
                 </a:solidFill>
                 <a:latin typeface="-윤고딕310"/>
               </a:rPr>
-              <a:t>을 참고하시면 말씀하신 매장 데이터 수집에 대한 논란이 발생할 수 있다고 생각합니다</a:t>
+              <a:t>을 참고해보니 말씀하신 매장 데이터 수집에 대한 논란이 발생할 수 있다고 생각합니다</a:t>
             </a:r>
             <a:r>
               <a:rPr lang="en-US" altLang="ko-KR" sz="1600" dirty="0">
